--- a/ar/(Re-)engineering a brain.pptx
+++ b/ar/(Re-)engineering a brain.pptx
@@ -20118,32 +20118,26 @@
             <a:endParaRPr sz="2400" dirty="0"/>
           </a:p>
           <a:p>
-            <a:pPr marL="457200" lvl="0" indent="-342900" algn="l" rtl="0">
-              <a:spcBef>
-                <a:spcPts val="0"/>
-              </a:spcBef>
-              <a:spcAft>
-                <a:spcPts val="0"/>
-              </a:spcAft>
+            <a:pPr lvl="0" indent="-342900">
+              <a:spcBef>
+                <a:spcPts val="0"/>
+              </a:spcBef>
               <a:buSzPts val="1800"/>
-              <a:buChar char="•"/>
             </a:pPr>
             <a:r>
-              <a:rPr lang="en-US" sz="1800" dirty="0"/>
-              <a:t>www.defaultlogic.com/learn?s=List_of_datasets_for_machine_learning_research</a:t>
-            </a:r>
-            <a:endParaRPr sz="1800" dirty="0"/>
+              <a:rPr lang="en-US" sz="1800" dirty="0">
+                <a:hlinkClick r:id="rId3"/>
+              </a:rPr>
+              <a:t>https://en.wikipedia.org/wiki/List_of_datasets_for_machine-learning_research</a:t>
+            </a:r>
+            <a:endParaRPr lang="en-US" sz="1800" dirty="0"/>
           </a:p>
           <a:p>
-            <a:pPr marL="457200" lvl="0" indent="-381000" algn="l" rtl="0">
-              <a:spcBef>
-                <a:spcPts val="0"/>
-              </a:spcBef>
-              <a:spcAft>
-                <a:spcPts val="0"/>
-              </a:spcAft>
-              <a:buSzPts val="2400"/>
-              <a:buChar char="•"/>
+            <a:pPr lvl="0" indent="-342900">
+              <a:spcBef>
+                <a:spcPts val="0"/>
+              </a:spcBef>
+              <a:buSzPts val="1800"/>
             </a:pPr>
             <a:r>
               <a:rPr lang="en-US" sz="2400" dirty="0" err="1"/>
@@ -20219,19 +20213,25 @@
             <a:endParaRPr sz="2400" dirty="0"/>
           </a:p>
           <a:p>
-            <a:pPr marL="457200" lvl="0" indent="-381000" algn="l" rtl="0">
-              <a:spcBef>
-                <a:spcPts val="0"/>
-              </a:spcBef>
-              <a:spcAft>
-                <a:spcPts val="0"/>
-              </a:spcAft>
+            <a:pPr lvl="0" indent="-381000">
+              <a:spcBef>
+                <a:spcPts val="0"/>
+              </a:spcBef>
               <a:buSzPts val="2400"/>
-              <a:buChar char="•"/>
             </a:pPr>
             <a:r>
               <a:rPr lang="en-US" sz="2400" dirty="0"/>
-              <a:t>Commercial AI software and services listed at https://www.g2crowd.com/categories/artificial-intelligence</a:t>
+              <a:t>Commercial AI software and services listed </a:t>
+            </a:r>
+            <a:r>
+              <a:rPr lang="en-US" sz="2400"/>
+              <a:t>at </a:t>
+            </a:r>
+            <a:r>
+              <a:rPr lang="en-US" sz="2400">
+                <a:hlinkClick r:id="rId4"/>
+              </a:rPr>
+              <a:t>https://www.g2.com/categories/artificial-intelligence</a:t>
             </a:r>
             <a:endParaRPr sz="2400" dirty="0"/>
           </a:p>
@@ -20714,10 +20714,10 @@
               <a:buNone/>
             </a:pPr>
             <a:r>
-              <a:rPr lang="en-US" sz="2800"/>
+              <a:rPr lang="en-US" sz="2800" dirty="0"/>
               <a:t>Demo, trial, hands-on</a:t>
             </a:r>
-            <a:endParaRPr sz="2800"/>
+            <a:endParaRPr sz="2800" dirty="0"/>
           </a:p>
           <a:p>
             <a:pPr marL="0" lvl="0" indent="0" algn="l" rtl="0">
@@ -20730,10 +20730,10 @@
               <a:buNone/>
             </a:pPr>
             <a:r>
-              <a:rPr lang="en-US" sz="2800"/>
+              <a:rPr lang="en-US" sz="2800" dirty="0"/>
               <a:t>Feedback</a:t>
             </a:r>
-            <a:endParaRPr sz="2800"/>
+            <a:endParaRPr sz="2800" dirty="0"/>
           </a:p>
           <a:p>
             <a:pPr marL="0" lvl="0" indent="0" algn="l" rtl="0">
@@ -20745,7 +20745,7 @@
               </a:spcAft>
               <a:buNone/>
             </a:pPr>
-            <a:endParaRPr sz="2800"/>
+            <a:endParaRPr sz="2800" dirty="0"/>
           </a:p>
           <a:p>
             <a:pPr marL="0" lvl="0" indent="0" algn="l" rtl="0">
@@ -20757,7 +20757,7 @@
               </a:spcAft>
               <a:buNone/>
             </a:pPr>
-            <a:endParaRPr sz="2800"/>
+            <a:endParaRPr sz="2800" dirty="0"/>
           </a:p>
           <a:p>
             <a:pPr marL="0" lvl="0" indent="0" algn="l" rtl="0">
@@ -20769,7 +20769,7 @@
               </a:spcAft>
               <a:buNone/>
             </a:pPr>
-            <a:endParaRPr sz="2800"/>
+            <a:endParaRPr sz="2800" dirty="0"/>
           </a:p>
           <a:p>
             <a:pPr marL="0" lvl="0" indent="0" algn="l" rtl="0">
@@ -20781,7 +20781,7 @@
               </a:spcAft>
               <a:buNone/>
             </a:pPr>
-            <a:endParaRPr sz="2800"/>
+            <a:endParaRPr sz="2800" dirty="0"/>
           </a:p>
           <a:p>
             <a:pPr marL="0" lvl="0" indent="0" algn="l" rtl="0">
@@ -20794,10 +20794,10 @@
               <a:buNone/>
             </a:pPr>
             <a:r>
-              <a:rPr lang="en-US" sz="2800"/>
+              <a:rPr lang="en-US" sz="2800" dirty="0"/>
               <a:t>Recommended read:</a:t>
             </a:r>
-            <a:endParaRPr sz="2800"/>
+            <a:endParaRPr sz="2800" dirty="0"/>
           </a:p>
           <a:p>
             <a:pPr marL="0" lvl="0" indent="0" algn="l" rtl="0">
@@ -20810,7 +20810,7 @@
               <a:buNone/>
             </a:pPr>
             <a:r>
-              <a:rPr lang="en-US" sz="2800" u="sng">
+              <a:rPr lang="en-US" sz="2800" u="sng" dirty="0">
                 <a:solidFill>
                   <a:schemeClr val="hlink"/>
                 </a:solidFill>
@@ -20818,7 +20818,7 @@
               </a:rPr>
               <a:t>https://distill.pub/2018/building-blocks/</a:t>
             </a:r>
-            <a:endParaRPr sz="2800"/>
+            <a:endParaRPr sz="2800" dirty="0"/>
           </a:p>
           <a:p>
             <a:pPr marL="0" lvl="0" indent="0" algn="l" rtl="0">
@@ -20836,10 +20836,10 @@
               <a:buNone/>
             </a:pPr>
             <a:r>
-              <a:rPr lang="en-US" sz="2800"/>
+              <a:rPr lang="en-US" sz="2800" dirty="0"/>
               <a:t>(Click around - this article is interactive in every detail!)</a:t>
             </a:r>
-            <a:endParaRPr sz="2800"/>
+            <a:endParaRPr sz="2800" dirty="0"/>
           </a:p>
         </p:txBody>
       </p:sp>
